--- a/presentations/poster_IHMC_2016A.pptx
+++ b/presentations/poster_IHMC_2016A.pptx
@@ -199,7 +199,7 @@
           <a:p>
             <a:fld id="{C72139B4-D6D4-2948-BDFD-FD780C2C0090}" type="datetimeFigureOut">
               <a:rPr lang="en-US" smtClean="0"/>
-              <a:t>16-10-25</a:t>
+              <a:t>16-10-27</a:t>
             </a:fld>
             <a:endParaRPr lang="en-US"/>
           </a:p>
@@ -732,7 +732,7 @@
           <a:p>
             <a:fld id="{200E6268-2604-0644-865F-E3BAE63455E4}" type="datetimeFigureOut">
               <a:rPr lang="en-US" smtClean="0"/>
-              <a:t>16-10-25</a:t>
+              <a:t>16-10-27</a:t>
             </a:fld>
             <a:endParaRPr lang="en-US"/>
           </a:p>
@@ -902,7 +902,7 @@
           <a:p>
             <a:fld id="{200E6268-2604-0644-865F-E3BAE63455E4}" type="datetimeFigureOut">
               <a:rPr lang="en-US" smtClean="0"/>
-              <a:t>16-10-25</a:t>
+              <a:t>16-10-27</a:t>
             </a:fld>
             <a:endParaRPr lang="en-US"/>
           </a:p>
@@ -1082,7 +1082,7 @@
           <a:p>
             <a:fld id="{200E6268-2604-0644-865F-E3BAE63455E4}" type="datetimeFigureOut">
               <a:rPr lang="en-US" smtClean="0"/>
-              <a:t>16-10-25</a:t>
+              <a:t>16-10-27</a:t>
             </a:fld>
             <a:endParaRPr lang="en-US"/>
           </a:p>
@@ -1252,7 +1252,7 @@
           <a:p>
             <a:fld id="{200E6268-2604-0644-865F-E3BAE63455E4}" type="datetimeFigureOut">
               <a:rPr lang="en-US" smtClean="0"/>
-              <a:t>16-10-25</a:t>
+              <a:t>16-10-27</a:t>
             </a:fld>
             <a:endParaRPr lang="en-US"/>
           </a:p>
@@ -1498,7 +1498,7 @@
           <a:p>
             <a:fld id="{200E6268-2604-0644-865F-E3BAE63455E4}" type="datetimeFigureOut">
               <a:rPr lang="en-US" smtClean="0"/>
-              <a:t>16-10-25</a:t>
+              <a:t>16-10-27</a:t>
             </a:fld>
             <a:endParaRPr lang="en-US"/>
           </a:p>
@@ -1786,7 +1786,7 @@
           <a:p>
             <a:fld id="{200E6268-2604-0644-865F-E3BAE63455E4}" type="datetimeFigureOut">
               <a:rPr lang="en-US" smtClean="0"/>
-              <a:t>16-10-25</a:t>
+              <a:t>16-10-27</a:t>
             </a:fld>
             <a:endParaRPr lang="en-US"/>
           </a:p>
@@ -2213,7 +2213,7 @@
           <a:p>
             <a:fld id="{200E6268-2604-0644-865F-E3BAE63455E4}" type="datetimeFigureOut">
               <a:rPr lang="en-US" smtClean="0"/>
-              <a:t>16-10-25</a:t>
+              <a:t>16-10-27</a:t>
             </a:fld>
             <a:endParaRPr lang="en-US"/>
           </a:p>
@@ -2331,7 +2331,7 @@
           <a:p>
             <a:fld id="{200E6268-2604-0644-865F-E3BAE63455E4}" type="datetimeFigureOut">
               <a:rPr lang="en-US" smtClean="0"/>
-              <a:t>16-10-25</a:t>
+              <a:t>16-10-27</a:t>
             </a:fld>
             <a:endParaRPr lang="en-US"/>
           </a:p>
@@ -2426,7 +2426,7 @@
           <a:p>
             <a:fld id="{200E6268-2604-0644-865F-E3BAE63455E4}" type="datetimeFigureOut">
               <a:rPr lang="en-US" smtClean="0"/>
-              <a:t>16-10-25</a:t>
+              <a:t>16-10-27</a:t>
             </a:fld>
             <a:endParaRPr lang="en-US"/>
           </a:p>
@@ -2703,7 +2703,7 @@
           <a:p>
             <a:fld id="{200E6268-2604-0644-865F-E3BAE63455E4}" type="datetimeFigureOut">
               <a:rPr lang="en-US" smtClean="0"/>
-              <a:t>16-10-25</a:t>
+              <a:t>16-10-27</a:t>
             </a:fld>
             <a:endParaRPr lang="en-US"/>
           </a:p>
@@ -2956,7 +2956,7 @@
           <a:p>
             <a:fld id="{200E6268-2604-0644-865F-E3BAE63455E4}" type="datetimeFigureOut">
               <a:rPr lang="en-US" smtClean="0"/>
-              <a:t>16-10-25</a:t>
+              <a:t>16-10-27</a:t>
             </a:fld>
             <a:endParaRPr lang="en-US"/>
           </a:p>
@@ -3169,7 +3169,7 @@
           <a:p>
             <a:fld id="{200E6268-2604-0644-865F-E3BAE63455E4}" type="datetimeFigureOut">
               <a:rPr lang="en-US" smtClean="0"/>
-              <a:t>16-10-25</a:t>
+              <a:t>16-10-27</a:t>
             </a:fld>
             <a:endParaRPr lang="en-US"/>
           </a:p>
@@ -3546,6 +3546,186 @@
       </p:grpSpPr>
       <p:sp>
         <p:nvSpPr>
+          <p:cNvPr id="43" name="Rectangle 42"/>
+          <p:cNvSpPr/>
+          <p:nvPr/>
+        </p:nvSpPr>
+        <p:spPr>
+          <a:xfrm>
+            <a:off x="12498263" y="25299522"/>
+            <a:ext cx="10967302" cy="8227537"/>
+          </a:xfrm>
+          <a:prstGeom prst="rect">
+            <a:avLst/>
+          </a:prstGeom>
+          <a:solidFill>
+            <a:schemeClr val="accent6">
+              <a:alpha val="10000"/>
+            </a:schemeClr>
+          </a:solidFill>
+          <a:ln w="38100" cmpd="sng">
+            <a:solidFill>
+              <a:schemeClr val="accent6">
+                <a:lumMod val="75000"/>
+              </a:schemeClr>
+            </a:solidFill>
+          </a:ln>
+        </p:spPr>
+        <p:style>
+          <a:lnRef idx="1">
+            <a:schemeClr val="accent1"/>
+          </a:lnRef>
+          <a:fillRef idx="3">
+            <a:schemeClr val="accent1"/>
+          </a:fillRef>
+          <a:effectRef idx="2">
+            <a:schemeClr val="accent1"/>
+          </a:effectRef>
+          <a:fontRef idx="minor">
+            <a:schemeClr val="lt1"/>
+          </a:fontRef>
+        </p:style>
+        <p:txBody>
+          <a:bodyPr lIns="100493" tIns="50246" rIns="100493" bIns="50246" rtlCol="0" anchor="ctr"/>
+          <a:lstStyle/>
+          <a:p>
+            <a:pPr algn="ctr"/>
+            <a:endParaRPr lang="en-US" sz="4000" b="1" u="sng" dirty="0">
+              <a:solidFill>
+                <a:schemeClr val="tx1"/>
+              </a:solidFill>
+            </a:endParaRPr>
+          </a:p>
+        </p:txBody>
+      </p:sp>
+      <p:pic>
+        <p:nvPicPr>
+          <p:cNvPr id="21" name="Picture 20" descr="phi_graph.pdf"/>
+          <p:cNvPicPr>
+            <a:picLocks noChangeAspect="1"/>
+          </p:cNvPicPr>
+          <p:nvPr/>
+        </p:nvPicPr>
+        <p:blipFill>
+          <a:blip r:embed="rId3">
+            <a:extLst>
+              <a:ext uri="{28A0092B-C50C-407E-A947-70E740481C1C}">
+                <a14:useLocalDpi xmlns:a14="http://schemas.microsoft.com/office/drawing/2010/main" val="0"/>
+              </a:ext>
+            </a:extLst>
+          </a:blip>
+          <a:stretch>
+            <a:fillRect/>
+          </a:stretch>
+        </p:blipFill>
+        <p:spPr>
+          <a:xfrm>
+            <a:off x="25418711" y="25744022"/>
+            <a:ext cx="8973380" cy="7268586"/>
+          </a:xfrm>
+          <a:prstGeom prst="rect">
+            <a:avLst/>
+          </a:prstGeom>
+        </p:spPr>
+      </p:pic>
+      <p:sp>
+        <p:nvSpPr>
+          <p:cNvPr id="41" name="Rectangle 40"/>
+          <p:cNvSpPr/>
+          <p:nvPr/>
+        </p:nvSpPr>
+        <p:spPr>
+          <a:xfrm>
+            <a:off x="12552918" y="3998014"/>
+            <a:ext cx="10967302" cy="3846811"/>
+          </a:xfrm>
+          <a:prstGeom prst="rect">
+            <a:avLst/>
+          </a:prstGeom>
+          <a:solidFill>
+            <a:schemeClr val="accent6">
+              <a:alpha val="10000"/>
+            </a:schemeClr>
+          </a:solidFill>
+          <a:ln w="38100" cmpd="sng">
+            <a:solidFill>
+              <a:schemeClr val="accent6">
+                <a:lumMod val="75000"/>
+              </a:schemeClr>
+            </a:solidFill>
+          </a:ln>
+        </p:spPr>
+        <p:style>
+          <a:lnRef idx="1">
+            <a:schemeClr val="accent1"/>
+          </a:lnRef>
+          <a:fillRef idx="3">
+            <a:schemeClr val="accent1"/>
+          </a:fillRef>
+          <a:effectRef idx="2">
+            <a:schemeClr val="accent1"/>
+          </a:effectRef>
+          <a:fontRef idx="minor">
+            <a:schemeClr val="lt1"/>
+          </a:fontRef>
+        </p:style>
+        <p:txBody>
+          <a:bodyPr lIns="100493" tIns="50246" rIns="100493" bIns="50246" rtlCol="0" anchor="ctr"/>
+          <a:lstStyle/>
+          <a:p>
+            <a:pPr algn="ctr"/>
+            <a:endParaRPr lang="en-US" sz="4000" b="1" u="sng" dirty="0">
+              <a:solidFill>
+                <a:schemeClr val="tx1"/>
+              </a:solidFill>
+            </a:endParaRPr>
+          </a:p>
+        </p:txBody>
+      </p:sp>
+      <p:sp>
+        <p:nvSpPr>
+          <p:cNvPr id="26" name="Rectangle 25"/>
+          <p:cNvSpPr/>
+          <p:nvPr/>
+        </p:nvSpPr>
+        <p:spPr>
+          <a:xfrm>
+            <a:off x="12536213" y="17637510"/>
+            <a:ext cx="10967301" cy="7159068"/>
+          </a:xfrm>
+          <a:prstGeom prst="rect">
+            <a:avLst/>
+          </a:prstGeom>
+          <a:solidFill>
+            <a:srgbClr val="D1D9E2"/>
+          </a:solidFill>
+          <a:ln w="38100" cmpd="sng"/>
+        </p:spPr>
+        <p:style>
+          <a:lnRef idx="1">
+            <a:schemeClr val="accent1"/>
+          </a:lnRef>
+          <a:fillRef idx="3">
+            <a:schemeClr val="accent1"/>
+          </a:fillRef>
+          <a:effectRef idx="2">
+            <a:schemeClr val="accent1"/>
+          </a:effectRef>
+          <a:fontRef idx="minor">
+            <a:schemeClr val="lt1"/>
+          </a:fontRef>
+        </p:style>
+        <p:txBody>
+          <a:bodyPr rtlCol="0" anchor="ctr"/>
+          <a:lstStyle/>
+          <a:p>
+            <a:pPr algn="ctr"/>
+            <a:endParaRPr lang="en-US" dirty="0"/>
+          </a:p>
+        </p:txBody>
+      </p:sp>
+      <p:sp>
+        <p:nvSpPr>
           <p:cNvPr id="40" name="Rectangle 39"/>
           <p:cNvSpPr/>
           <p:nvPr/>
@@ -3596,56 +3776,6 @@
       </p:sp>
       <p:sp>
         <p:nvSpPr>
-          <p:cNvPr id="33" name="Rectangle 32"/>
-          <p:cNvSpPr/>
-          <p:nvPr/>
-        </p:nvSpPr>
-        <p:spPr>
-          <a:xfrm>
-            <a:off x="12590868" y="25255211"/>
-            <a:ext cx="10967301" cy="8172186"/>
-          </a:xfrm>
-          <a:prstGeom prst="rect">
-            <a:avLst/>
-          </a:prstGeom>
-          <a:solidFill>
-            <a:schemeClr val="tx2">
-              <a:lumMod val="20000"/>
-              <a:lumOff val="80000"/>
-              <a:alpha val="40000"/>
-            </a:schemeClr>
-          </a:solidFill>
-          <a:ln w="38100" cmpd="sng"/>
-        </p:spPr>
-        <p:style>
-          <a:lnRef idx="1">
-            <a:schemeClr val="accent1"/>
-          </a:lnRef>
-          <a:fillRef idx="3">
-            <a:schemeClr val="accent1"/>
-          </a:fillRef>
-          <a:effectRef idx="2">
-            <a:schemeClr val="accent1"/>
-          </a:effectRef>
-          <a:fontRef idx="minor">
-            <a:schemeClr val="lt1"/>
-          </a:fontRef>
-        </p:style>
-        <p:txBody>
-          <a:bodyPr lIns="100493" tIns="50246" rIns="100493" bIns="50246" rtlCol="0" anchor="ctr"/>
-          <a:lstStyle/>
-          <a:p>
-            <a:pPr algn="ctr"/>
-            <a:endParaRPr lang="en-US" dirty="0" smtClean="0"/>
-          </a:p>
-          <a:p>
-            <a:pPr algn="ctr"/>
-            <a:endParaRPr lang="en-US" dirty="0"/>
-          </a:p>
-        </p:txBody>
-      </p:sp>
-      <p:sp>
-        <p:nvSpPr>
           <p:cNvPr id="2" name="Title 1"/>
           <p:cNvSpPr>
             <a:spLocks noGrp="1"/>
@@ -3707,7 +3837,7 @@
                     <a:lumOff val="5000"/>
                   </a:schemeClr>
                 </a:solidFill>
-                <a:hlinkClick r:id="rId3"/>
+                <a:hlinkClick r:id="rId4"/>
               </a:rPr>
               <a:t>ggloor@uwo.ca</a:t>
             </a:r>
@@ -3863,19 +3993,15 @@
           <a:p>
             <a:r>
               <a:rPr lang="en-US" sz="2800" dirty="0"/>
-              <a:t>Data collected using high throughput sequencing (HTS) methods are sequence reads mapped to genomic intervals, and are commonly analyzed as either 'normalized count </a:t>
-            </a:r>
-            <a:r>
-              <a:rPr lang="en-US" sz="2800" dirty="0"/>
-              <a:t>data’ </a:t>
-            </a:r>
-            <a:r>
-              <a:rPr lang="en-US" sz="2800" dirty="0"/>
-              <a:t>or 'relative abundance </a:t>
-            </a:r>
-            <a:r>
-              <a:rPr lang="en-US" sz="2800" dirty="0"/>
-              <a:t>data</a:t>
+              <a:t>Data collected using high throughput sequencing (HTS) methods are sequence reads mapped </a:t>
+            </a:r>
+            <a:r>
+              <a:rPr lang="en-US" sz="2800" dirty="0" smtClean="0"/>
+              <a:t>features such as OTUs, </a:t>
+            </a:r>
+            <a:r>
+              <a:rPr lang="en-US" sz="2800" dirty="0"/>
+              <a:t>and are commonly analyzed as either 'normalized count data’ or 'relative abundance data</a:t>
             </a:r>
             <a:r>
               <a:rPr lang="en-US" sz="2800" dirty="0" smtClean="0"/>
@@ -3883,15 +4009,7 @@
             </a:r>
             <a:r>
               <a:rPr lang="en-US" sz="2800" dirty="0"/>
-              <a:t>to compensate for the problem that the sequencing instrument imposes an upper bound on the number of sequence reads. </a:t>
-            </a:r>
-            <a:r>
-              <a:rPr lang="en-US" sz="2800" dirty="0"/>
-              <a:t>Positive data with an arbitrary bound are 'compositional data' </a:t>
-            </a:r>
-            <a:r>
-              <a:rPr lang="en-US" sz="2800" dirty="0"/>
-              <a:t>(</a:t>
+              <a:t>to compensate for the problem that the sequencing instrument imposes an upper bound on the number of sequence reads. Positive data with an arbitrary bound are 'compositional data' (</a:t>
             </a:r>
             <a:r>
               <a:rPr lang="en-US" sz="2800" dirty="0" err="1"/>
@@ -3919,11 +4037,7 @@
             </a:r>
             <a:r>
               <a:rPr lang="en-US" sz="2800" dirty="0"/>
-              <a:t>subject to the problem of spurious </a:t>
-            </a:r>
-            <a:r>
-              <a:rPr lang="en-US" sz="2800" dirty="0"/>
-              <a:t>correlation (</a:t>
+              <a:t>subject to the problem of spurious correlation (</a:t>
             </a:r>
             <a:r>
               <a:rPr lang="en-US" sz="2800" dirty="0" smtClean="0"/>
@@ -3931,27 +4045,7 @@
             </a:r>
             <a:r>
               <a:rPr lang="en-US" sz="2800" dirty="0"/>
-              <a:t>Thus</a:t>
-            </a:r>
-            <a:r>
-              <a:rPr lang="en-US" sz="2800" dirty="0"/>
-              <a:t>, ordination, clustering and network analysis become unreliable. A second problem is that the data are sparse: i.e., contain many 0 </a:t>
-            </a:r>
-            <a:r>
-              <a:rPr lang="en-US" sz="2800" dirty="0"/>
-              <a:t>values. </a:t>
-            </a:r>
-            <a:r>
-              <a:rPr lang="en-US" sz="2800" dirty="0"/>
-              <a:t>A third problem is that the </a:t>
-            </a:r>
-            <a:r>
-              <a:rPr lang="en-US" sz="2800" dirty="0"/>
-              <a:t>largest measurement error </a:t>
-            </a:r>
-            <a:r>
-              <a:rPr lang="en-US" sz="2800" dirty="0"/>
-              <a:t>is at the low count </a:t>
+              <a:t>Thus, ordination, clustering and network analysis become unreliable. A second problem is that the data are sparse: i.e., contain many 0 values. A third problem is that the largest measurement error is at the low count </a:t>
             </a:r>
             <a:r>
               <a:rPr lang="en-US" sz="2800" dirty="0" smtClean="0"/>
@@ -3959,11 +4053,7 @@
             </a:r>
             <a:r>
               <a:rPr lang="en-US" sz="2800" dirty="0"/>
-              <a:t>in these </a:t>
-            </a:r>
-            <a:r>
-              <a:rPr lang="en-US" sz="2800" dirty="0"/>
-              <a:t>datasets (2)</a:t>
+              <a:t>in these datasets (2)</a:t>
             </a:r>
             <a:r>
               <a:rPr lang="en-US" sz="2800" dirty="0" smtClean="0"/>
@@ -3971,15 +4061,7 @@
             </a:r>
             <a:r>
               <a:rPr lang="en-US" sz="2800" dirty="0"/>
-              <a:t>use </a:t>
-            </a:r>
-            <a:r>
-              <a:rPr lang="en-US" sz="2800" dirty="0"/>
-              <a:t>a subset of the </a:t>
-            </a:r>
-            <a:r>
-              <a:rPr lang="en-US" sz="2800" dirty="0"/>
-              <a:t>HMP oral </a:t>
+              <a:t>use a subset of the HMP oral </a:t>
             </a:r>
             <a:r>
               <a:rPr lang="en-US" sz="2800" dirty="0" err="1"/>
@@ -3987,11 +4069,7 @@
             </a:r>
             <a:r>
               <a:rPr lang="en-US" sz="2800" dirty="0"/>
-              <a:t> dataset to show how </a:t>
-            </a:r>
-            <a:r>
-              <a:rPr lang="en-US" sz="2800" dirty="0"/>
-              <a:t>Bayesian </a:t>
+              <a:t> dataset to show how Bayesian </a:t>
             </a:r>
             <a:r>
               <a:rPr lang="en-US" sz="2800" dirty="0" smtClean="0"/>
@@ -4011,11 +4089,7 @@
             </a:r>
             <a:r>
               <a:rPr lang="en-US" sz="2800" dirty="0"/>
-              <a:t>that </a:t>
-            </a:r>
-            <a:r>
-              <a:rPr lang="en-US" sz="2800" dirty="0"/>
-              <a:t>examine the ratios between </a:t>
+              <a:t>that examine the ratios between </a:t>
             </a:r>
             <a:r>
               <a:rPr lang="en-US" sz="2800" dirty="0" smtClean="0"/>
@@ -4023,153 +4097,90 @@
             </a:r>
             <a:r>
               <a:rPr lang="en-US" sz="2800" dirty="0"/>
-              <a:t>give robust insights </a:t>
-            </a:r>
-            <a:r>
-              <a:rPr lang="en-US" sz="2800" dirty="0"/>
-              <a:t>into the structure of microbial </a:t>
-            </a:r>
-            <a:r>
-              <a:rPr lang="en-US" sz="2800" dirty="0"/>
-              <a:t>communities. </a:t>
-            </a:r>
-            <a:endParaRPr lang="en-US" sz="2800" dirty="0"/>
-          </a:p>
-        </p:txBody>
-      </p:sp>
-      <p:grpSp>
-        <p:nvGrpSpPr>
-          <p:cNvPr id="7" name="Group 6"/>
-          <p:cNvGrpSpPr/>
+              <a:t>give robust insights into the structure of </a:t>
+            </a:r>
+            <a:r>
+              <a:rPr lang="en-US" sz="2800" dirty="0" smtClean="0"/>
+              <a:t>bacterial communities</a:t>
+            </a:r>
+            <a:r>
+              <a:rPr lang="en-US" sz="2800" dirty="0"/>
+              <a:t>. </a:t>
+            </a:r>
+          </a:p>
+        </p:txBody>
+      </p:sp>
+      <p:sp>
+        <p:nvSpPr>
+          <p:cNvPr id="5" name="Rectangle 4"/>
+          <p:cNvSpPr/>
           <p:nvPr/>
-        </p:nvGrpSpPr>
-        <p:grpSpPr>
+        </p:nvSpPr>
+        <p:spPr>
           <a:xfrm>
-            <a:off x="12542887" y="3937329"/>
-            <a:ext cx="10977333" cy="3620295"/>
-            <a:chOff x="11412074" y="10568627"/>
-            <a:chExt cx="9987665" cy="3293905"/>
+            <a:off x="12727094" y="3934957"/>
+            <a:ext cx="10575382" cy="3785652"/>
           </a:xfrm>
-        </p:grpSpPr>
-        <p:sp>
-          <p:nvSpPr>
-            <p:cNvPr id="32" name="Rectangle 31"/>
-            <p:cNvSpPr/>
-            <p:nvPr/>
-          </p:nvSpPr>
-          <p:spPr>
-            <a:xfrm>
-              <a:off x="11412074" y="10568627"/>
-              <a:ext cx="9987665" cy="3293905"/>
-            </a:xfrm>
-            <a:prstGeom prst="rect">
-              <a:avLst/>
-            </a:prstGeom>
-            <a:solidFill>
-              <a:schemeClr val="tx2">
-                <a:lumMod val="20000"/>
-                <a:lumOff val="80000"/>
-                <a:alpha val="40000"/>
-              </a:schemeClr>
-            </a:solidFill>
-            <a:ln w="38100" cmpd="sng"/>
-          </p:spPr>
-          <p:style>
-            <a:lnRef idx="1">
-              <a:schemeClr val="accent1"/>
-            </a:lnRef>
-            <a:fillRef idx="3">
-              <a:schemeClr val="accent1"/>
-            </a:fillRef>
-            <a:effectRef idx="2">
-              <a:schemeClr val="accent1"/>
-            </a:effectRef>
-            <a:fontRef idx="minor">
-              <a:schemeClr val="lt1"/>
-            </a:fontRef>
-          </p:style>
-          <p:txBody>
-            <a:bodyPr rtlCol="0" anchor="ctr"/>
-            <a:lstStyle/>
-            <a:p>
-              <a:pPr algn="ctr"/>
-              <a:endParaRPr lang="en-US" dirty="0" smtClean="0"/>
-            </a:p>
-            <a:p>
-              <a:pPr algn="ctr"/>
-              <a:endParaRPr lang="en-US" dirty="0"/>
-            </a:p>
-          </p:txBody>
-        </p:sp>
-        <p:sp>
-          <p:nvSpPr>
-            <p:cNvPr id="5" name="Rectangle 4"/>
-            <p:cNvSpPr/>
-            <p:nvPr/>
-          </p:nvSpPr>
-          <p:spPr>
-            <a:xfrm>
-              <a:off x="11579674" y="10607018"/>
-              <a:ext cx="9621952" cy="2862322"/>
-            </a:xfrm>
-            <a:prstGeom prst="rect">
-              <a:avLst/>
-            </a:prstGeom>
-          </p:spPr>
-          <p:txBody>
-            <a:bodyPr wrap="square">
-              <a:spAutoFit/>
-            </a:bodyPr>
-            <a:lstStyle/>
-            <a:p>
-              <a:pPr algn="ctr"/>
-              <a:r>
-                <a:rPr lang="en-US" sz="4000" b="1" u="sng" dirty="0" smtClean="0"/>
-                <a:t>Common Analysis </a:t>
-              </a:r>
-              <a:r>
-                <a:rPr lang="en-US" sz="4000" b="1" u="sng" dirty="0"/>
-                <a:t>Goals </a:t>
-              </a:r>
-            </a:p>
-            <a:p>
-              <a:pPr algn="just"/>
-              <a:r>
-                <a:rPr lang="en-US" sz="4000" dirty="0"/>
-                <a:t>Given a set of data derived from HTS:</a:t>
-              </a:r>
-            </a:p>
-            <a:p>
-              <a:pPr marL="816502" indent="-816502" algn="just">
-                <a:buAutoNum type="arabicParenR"/>
-              </a:pPr>
-              <a:r>
-                <a:rPr lang="en-US" sz="4000" dirty="0"/>
-                <a:t>Is there structure?</a:t>
-              </a:r>
-            </a:p>
-            <a:p>
-              <a:pPr marL="816502" indent="-816502" algn="just">
-                <a:buAutoNum type="arabicParenR"/>
-              </a:pPr>
-              <a:r>
-                <a:rPr lang="en-US" sz="4000" dirty="0" smtClean="0"/>
-                <a:t>What are the differences between groups?</a:t>
-              </a:r>
-              <a:endParaRPr lang="en-US" sz="4000" dirty="0"/>
-            </a:p>
-            <a:p>
-              <a:pPr marL="816502" indent="-816502" algn="just">
-                <a:buAutoNum type="arabicParenR"/>
-              </a:pPr>
-              <a:r>
-                <a:rPr lang="en-US" sz="4000" dirty="0"/>
-                <a:t>What correlates?</a:t>
-              </a:r>
-            </a:p>
-          </p:txBody>
-        </p:sp>
-      </p:grpSp>
+          <a:prstGeom prst="rect">
+            <a:avLst/>
+          </a:prstGeom>
+        </p:spPr>
+        <p:txBody>
+          <a:bodyPr wrap="square">
+            <a:spAutoFit/>
+          </a:bodyPr>
+          <a:lstStyle/>
+          <a:p>
+            <a:pPr algn="ctr"/>
+            <a:r>
+              <a:rPr lang="en-US" sz="4000" b="1" u="sng" dirty="0" smtClean="0"/>
+              <a:t>Common Analysis Goals</a:t>
+            </a:r>
+          </a:p>
+          <a:p>
+            <a:pPr algn="ctr"/>
+            <a:r>
+              <a:rPr lang="en-US" sz="4000" b="1" u="sng" dirty="0" smtClean="0"/>
+              <a:t> </a:t>
+            </a:r>
+            <a:endParaRPr lang="en-US" sz="4000" b="1" u="sng" dirty="0"/>
+          </a:p>
+          <a:p>
+            <a:r>
+              <a:rPr lang="en-US" sz="4000" dirty="0"/>
+              <a:t>Given a set of data derived from HTS:</a:t>
+            </a:r>
+          </a:p>
+          <a:p>
+            <a:pPr marL="816502" indent="-816502" algn="just">
+              <a:buAutoNum type="arabicParenR"/>
+            </a:pPr>
+            <a:r>
+              <a:rPr lang="en-US" sz="4000" dirty="0"/>
+              <a:t>Is there structure?</a:t>
+            </a:r>
+          </a:p>
+          <a:p>
+            <a:pPr marL="816502" indent="-816502" algn="just">
+              <a:buAutoNum type="arabicParenR"/>
+            </a:pPr>
+            <a:r>
+              <a:rPr lang="en-US" sz="4000" dirty="0" smtClean="0"/>
+              <a:t>What are the differences between groups?</a:t>
+            </a:r>
+            <a:endParaRPr lang="en-US" sz="4000" dirty="0"/>
+          </a:p>
+          <a:p>
+            <a:pPr marL="816502" indent="-816502" algn="just">
+              <a:buAutoNum type="arabicParenR"/>
+            </a:pPr>
+            <a:r>
+              <a:rPr lang="en-US" sz="4000" dirty="0"/>
+              <a:t>What correlates?</a:t>
+            </a:r>
+          </a:p>
+        </p:txBody>
+      </p:sp>
       <p:pic>
         <p:nvPicPr>
           <p:cNvPr id="6" name="Content Placeholder 3" descr="fig_1.pdf"/>
@@ -4179,7 +4190,7 @@
           <p:nvPr/>
         </p:nvPicPr>
         <p:blipFill rotWithShape="1">
-          <a:blip r:embed="rId4" cstate="print">
+          <a:blip r:embed="rId5" cstate="print">
             <a:extLst>
               <a:ext uri="{28A0092B-C50C-407E-A947-70E740481C1C}">
                 <a14:useLocalDpi xmlns:a14="http://schemas.microsoft.com/office/drawing/2010/main"/>
@@ -4208,7 +4219,7 @@
           <p:nvPr/>
         </p:nvPicPr>
         <p:blipFill rotWithShape="1">
-          <a:blip r:embed="rId5" cstate="print">
+          <a:blip r:embed="rId6" cstate="print">
             <a:extLst>
               <a:ext uri="{28A0092B-C50C-407E-A947-70E740481C1C}">
                 <a14:useLocalDpi xmlns:a14="http://schemas.microsoft.com/office/drawing/2010/main"/>
@@ -4303,7 +4314,6 @@
               <a:rPr lang="en-US" sz="2800" dirty="0"/>
               <a:t>These data should not be evaluated by standard methods (1)</a:t>
             </a:r>
-            <a:endParaRPr lang="en-US" sz="2800" dirty="0"/>
           </a:p>
           <a:p>
             <a:pPr algn="ctr"/>
@@ -4453,13 +4463,8 @@
             </a:r>
             <a:r>
               <a:rPr lang="en-US" sz="2800" dirty="0"/>
-              <a:t>)</a:t>
-            </a:r>
-            <a:r>
-              <a:rPr lang="en-US" sz="2800" dirty="0"/>
-              <a:t>]</a:t>
-            </a:r>
-            <a:endParaRPr lang="en-US" sz="2800" dirty="0"/>
+              <a:t>)]</a:t>
+            </a:r>
           </a:p>
           <a:p>
             <a:pPr marL="10468" lvl="1" algn="ctr"/>
@@ -4579,7 +4584,7 @@
             </a:r>
             <a:r>
               <a:rPr lang="en-US" sz="2800" dirty="0" smtClean="0"/>
-              <a:t>addressed (6,8).</a:t>
+              <a:t>addressed (6,8)</a:t>
             </a:r>
             <a:endParaRPr lang="en-US" sz="2800" dirty="0"/>
           </a:p>
@@ -4590,15 +4595,7 @@
             </a:pPr>
             <a:r>
               <a:rPr lang="en-US" sz="2800" dirty="0"/>
-              <a:t>β-diversity can be easily measured after Singular Value Decomposition </a:t>
-            </a:r>
-            <a:r>
-              <a:rPr lang="en-US" sz="2800" dirty="0"/>
-              <a:t>and displayed using a variance-</a:t>
-            </a:r>
-            <a:r>
-              <a:rPr lang="en-US" sz="2800" dirty="0"/>
-              <a:t>based PCA plot of rather than distance-based </a:t>
+              <a:t>β-diversity can be easily measured after Singular Value Decomposition and displayed using a variance-based PCA plot of rather than distance-based </a:t>
             </a:r>
             <a:r>
               <a:rPr lang="en-US" sz="2800" dirty="0" err="1"/>
@@ -4660,7 +4657,19 @@
             </a:pPr>
             <a:r>
               <a:rPr lang="en-US" sz="2800" dirty="0" smtClean="0"/>
-              <a:t>All tools return outputs that can be readily interpreted in the context of any of the other tools. For example, the OTUs that are most different between groups are seen to be the ones that have the largest loadings in the PCA plots, and the association test identifies groups of taxa that are changing reproducibly in the same direction.</a:t>
+              <a:t>All tools return outputs that can be readily interpreted in the context of any of the other tools. For example, the OTUs that are most different between groups are seen to be the ones that have the largest loadings in the PCA plots, and the </a:t>
+            </a:r>
+            <a:r>
+              <a:rPr lang="en-US" sz="2800" dirty="0" err="1"/>
+              <a:t>ɸ</a:t>
+            </a:r>
+            <a:r>
+              <a:rPr lang="en-US" sz="2800" dirty="0"/>
+              <a:t>-statistic </a:t>
+            </a:r>
+            <a:r>
+              <a:rPr lang="en-US" sz="2800" dirty="0" smtClean="0"/>
+              <a:t>identifies groups of taxa that are changing reproducibly in the same direction.</a:t>
             </a:r>
             <a:endParaRPr lang="en-US" sz="2800" dirty="0"/>
           </a:p>
@@ -4722,11 +4731,7 @@
             </a:pPr>
             <a:r>
               <a:rPr lang="en-US" sz="2800" dirty="0"/>
-              <a:t>HTS data are inherently compositional because </a:t>
-            </a:r>
-            <a:r>
-              <a:rPr lang="en-US" sz="2800" dirty="0"/>
-              <a:t>machine capacity </a:t>
+              <a:t>HTS data are inherently compositional because machine capacity </a:t>
             </a:r>
             <a:r>
               <a:rPr lang="en-US" sz="2800" dirty="0" smtClean="0"/>
@@ -4757,15 +4762,7 @@
             </a:r>
             <a:r>
               <a:rPr lang="en-US" sz="2800" dirty="0"/>
-              <a:t>We would get the wrong inference about </a:t>
-            </a:r>
-            <a:r>
-              <a:rPr lang="en-US" sz="2800" dirty="0"/>
-              <a:t>either change or correlation </a:t>
-            </a:r>
-            <a:r>
-              <a:rPr lang="en-US" sz="2800" dirty="0"/>
-              <a:t>in the </a:t>
+              <a:t>We would get the wrong inference about either change or correlation in the </a:t>
             </a:r>
             <a:r>
               <a:rPr lang="en-US" sz="2800" dirty="0" smtClean="0"/>
@@ -4773,274 +4770,210 @@
             </a:r>
             <a:r>
               <a:rPr lang="en-US" sz="2800" dirty="0"/>
-              <a:t>if we compared </a:t>
-            </a:r>
-            <a:r>
-              <a:rPr lang="en-US" sz="2800" dirty="0"/>
-              <a:t>samples collected from step </a:t>
-            </a:r>
-            <a:r>
-              <a:rPr lang="en-US" sz="2800" dirty="0"/>
-              <a:t>1 and </a:t>
-            </a:r>
-            <a:r>
-              <a:rPr lang="en-US" sz="2800" dirty="0"/>
-              <a:t>15 from the 3 panels.</a:t>
-            </a:r>
-            <a:endParaRPr lang="en-US" sz="2800" dirty="0"/>
+              <a:t>if we compared samples collected from step 1 and 15 from the 3 panels.</a:t>
+            </a:r>
           </a:p>
         </p:txBody>
       </p:sp>
       <p:grpSp>
         <p:nvGrpSpPr>
-          <p:cNvPr id="8" name="Group 7"/>
+          <p:cNvPr id="15" name="Group 14"/>
           <p:cNvGrpSpPr/>
           <p:nvPr/>
         </p:nvGrpSpPr>
         <p:grpSpPr>
           <a:xfrm>
-            <a:off x="12536213" y="17637510"/>
-            <a:ext cx="10967301" cy="7159068"/>
-            <a:chOff x="11455730" y="3497380"/>
-            <a:chExt cx="9978537" cy="6513638"/>
+            <a:off x="12787155" y="19337759"/>
+            <a:ext cx="10678410" cy="2409946"/>
+            <a:chOff x="14057350" y="10278391"/>
+            <a:chExt cx="10934700" cy="1854200"/>
           </a:xfrm>
         </p:grpSpPr>
-        <p:grpSp>
-          <p:nvGrpSpPr>
-            <p:cNvPr id="15" name="Group 14"/>
-            <p:cNvGrpSpPr/>
+        <p:pic>
+          <p:nvPicPr>
+            <p:cNvPr id="13" name="Picture 12"/>
+            <p:cNvPicPr>
+              <a:picLocks noChangeAspect="1"/>
+            </p:cNvPicPr>
             <p:nvPr/>
-          </p:nvGrpSpPr>
-          <p:grpSpPr>
-            <a:xfrm>
-              <a:off x="11684048" y="5044342"/>
-              <a:ext cx="9715691" cy="2192676"/>
-              <a:chOff x="14057350" y="10278391"/>
-              <a:chExt cx="10934700" cy="1854200"/>
-            </a:xfrm>
-          </p:grpSpPr>
-          <p:pic>
-            <p:nvPicPr>
-              <p:cNvPr id="13" name="Picture 12"/>
-              <p:cNvPicPr>
-                <a:picLocks noChangeAspect="1"/>
-              </p:cNvPicPr>
-              <p:nvPr/>
-            </p:nvPicPr>
-            <p:blipFill>
-              <a:blip r:embed="rId6"/>
-              <a:stretch>
-                <a:fillRect/>
-              </a:stretch>
-            </p:blipFill>
-            <p:spPr>
-              <a:xfrm>
-                <a:off x="14057350" y="10278391"/>
-                <a:ext cx="5473700" cy="1854200"/>
-              </a:xfrm>
-              <a:prstGeom prst="rect">
-                <a:avLst/>
-              </a:prstGeom>
-            </p:spPr>
-          </p:pic>
-          <p:pic>
-            <p:nvPicPr>
-              <p:cNvPr id="14" name="Picture 13"/>
-              <p:cNvPicPr>
-                <a:picLocks noChangeAspect="1"/>
-              </p:cNvPicPr>
-              <p:nvPr/>
-            </p:nvPicPr>
-            <p:blipFill>
-              <a:blip r:embed="rId7"/>
-              <a:stretch>
-                <a:fillRect/>
-              </a:stretch>
-            </p:blipFill>
-            <p:spPr>
-              <a:xfrm>
-                <a:off x="19531050" y="10286609"/>
-                <a:ext cx="5461000" cy="1816100"/>
-              </a:xfrm>
-              <a:prstGeom prst="rect">
-                <a:avLst/>
-              </a:prstGeom>
-            </p:spPr>
-          </p:pic>
-        </p:grpSp>
-        <p:sp>
-          <p:nvSpPr>
-            <p:cNvPr id="16" name="TextBox 15"/>
-            <p:cNvSpPr txBox="1"/>
-            <p:nvPr/>
-          </p:nvSpPr>
+          </p:nvPicPr>
+          <p:blipFill>
+            <a:blip r:embed="rId7"/>
+            <a:stretch>
+              <a:fillRect/>
+            </a:stretch>
+          </p:blipFill>
           <p:spPr>
             <a:xfrm>
-              <a:off x="11595930" y="7087140"/>
-              <a:ext cx="9715691" cy="2828291"/>
-            </a:xfrm>
-            <a:prstGeom prst="rect">
-              <a:avLst/>
-            </a:prstGeom>
-            <a:noFill/>
-          </p:spPr>
-          <p:txBody>
-            <a:bodyPr wrap="square" rtlCol="0">
-              <a:spAutoFit/>
-            </a:bodyPr>
-            <a:lstStyle/>
-            <a:p>
-              <a:pPr marL="314039" indent="-314039" algn="just">
-                <a:buFont typeface="Arial"/>
-                <a:buChar char="•"/>
-              </a:pPr>
-              <a:r>
-                <a:rPr lang="en-US" sz="2800" dirty="0"/>
-                <a:t>For a given read count (labeled top of histogram) the black bar represents the abundance of the count in replicate 1, the grey bars indicate the distribution of counts for the same features in replicate 2</a:t>
-              </a:r>
-            </a:p>
-            <a:p>
-              <a:pPr marL="314039" indent="-314039" algn="just">
-                <a:buFont typeface="Arial"/>
-                <a:buChar char="•"/>
-              </a:pPr>
-              <a:r>
-                <a:rPr lang="en-US" sz="2800" dirty="0"/>
-                <a:t>Replicates are aliquots of the same library run on different lanes</a:t>
-              </a:r>
-            </a:p>
-            <a:p>
-              <a:pPr marL="314039" indent="-314039" algn="just">
-                <a:buFont typeface="Arial"/>
-                <a:buChar char="•"/>
-              </a:pPr>
-              <a:r>
-                <a:rPr lang="en-US" sz="2800" dirty="0"/>
-                <a:t>These data are approximately multivariate Poisson distributed, this can be estimated in a Bayesian framework using </a:t>
-              </a:r>
-              <a:r>
-                <a:rPr lang="en-US" sz="2800" dirty="0" err="1"/>
-                <a:t>Dirichlet</a:t>
-              </a:r>
-              <a:r>
-                <a:rPr lang="en-US" sz="2800" dirty="0"/>
-                <a:t> sampling prior to </a:t>
-              </a:r>
-              <a:r>
-                <a:rPr lang="en-US" sz="2800" dirty="0" err="1"/>
-                <a:t>clr</a:t>
-              </a:r>
-              <a:r>
-                <a:rPr lang="en-US" sz="2800" dirty="0"/>
-                <a:t> transformation. (2,3)</a:t>
-              </a:r>
-            </a:p>
-          </p:txBody>
-        </p:sp>
-        <p:sp>
-          <p:nvSpPr>
-            <p:cNvPr id="26" name="Rectangle 25"/>
-            <p:cNvSpPr/>
-            <p:nvPr/>
-          </p:nvSpPr>
-          <p:spPr>
-            <a:xfrm>
-              <a:off x="11455730" y="3497380"/>
-              <a:ext cx="9978537" cy="6513638"/>
-            </a:xfrm>
-            <a:prstGeom prst="rect">
-              <a:avLst/>
-            </a:prstGeom>
-            <a:noFill/>
-            <a:ln w="38100" cmpd="sng"/>
-          </p:spPr>
-          <p:style>
-            <a:lnRef idx="1">
-              <a:schemeClr val="accent1"/>
-            </a:lnRef>
-            <a:fillRef idx="3">
-              <a:schemeClr val="accent1"/>
-            </a:fillRef>
-            <a:effectRef idx="2">
-              <a:schemeClr val="accent1"/>
-            </a:effectRef>
-            <a:fontRef idx="minor">
-              <a:schemeClr val="lt1"/>
-            </a:fontRef>
-          </p:style>
-          <p:txBody>
-            <a:bodyPr rtlCol="0" anchor="ctr"/>
-            <a:lstStyle/>
-            <a:p>
-              <a:pPr algn="ctr"/>
-              <a:endParaRPr lang="en-US" dirty="0"/>
-            </a:p>
-          </p:txBody>
-        </p:sp>
-        <p:sp>
-          <p:nvSpPr>
-            <p:cNvPr id="9" name="Rectangle 8"/>
-            <p:cNvSpPr/>
-            <p:nvPr/>
-          </p:nvSpPr>
-          <p:spPr>
-            <a:xfrm>
-              <a:off x="12306255" y="3637570"/>
-              <a:ext cx="8142072" cy="646331"/>
+              <a:off x="14057350" y="10278391"/>
+              <a:ext cx="5473700" cy="1854200"/>
             </a:xfrm>
             <a:prstGeom prst="rect">
               <a:avLst/>
             </a:prstGeom>
           </p:spPr>
-          <p:txBody>
-            <a:bodyPr wrap="none">
-              <a:spAutoFit/>
-            </a:bodyPr>
-            <a:lstStyle/>
-            <a:p>
-              <a:pPr algn="ctr"/>
-              <a:r>
-                <a:rPr lang="en-US" sz="4000" b="1" u="sng" dirty="0"/>
-                <a:t>Better to think of probabilities not counts</a:t>
-              </a:r>
-              <a:endParaRPr lang="en-US" sz="4000" b="1" u="sng" dirty="0"/>
-            </a:p>
-          </p:txBody>
-        </p:sp>
-        <p:sp>
-          <p:nvSpPr>
-            <p:cNvPr id="34" name="TextBox 33"/>
-            <p:cNvSpPr txBox="1"/>
+        </p:pic>
+        <p:pic>
+          <p:nvPicPr>
+            <p:cNvPr id="14" name="Picture 13"/>
+            <p:cNvPicPr>
+              <a:picLocks noChangeAspect="1"/>
+            </p:cNvPicPr>
             <p:nvPr/>
-          </p:nvSpPr>
+          </p:nvPicPr>
+          <p:blipFill>
+            <a:blip r:embed="rId8"/>
+            <a:stretch>
+              <a:fillRect/>
+            </a:stretch>
+          </p:blipFill>
           <p:spPr>
             <a:xfrm>
-              <a:off x="11595930" y="4283901"/>
-              <a:ext cx="9715691" cy="868089"/>
+              <a:off x="19531050" y="10286609"/>
+              <a:ext cx="5461000" cy="1816100"/>
             </a:xfrm>
             <a:prstGeom prst="rect">
               <a:avLst/>
             </a:prstGeom>
-            <a:noFill/>
           </p:spPr>
-          <p:txBody>
-            <a:bodyPr wrap="square" rtlCol="0">
-              <a:spAutoFit/>
-            </a:bodyPr>
-            <a:lstStyle/>
-            <a:p>
-              <a:pPr marL="314039" indent="-314039" algn="just">
-                <a:buFont typeface="Arial"/>
-                <a:buChar char="•"/>
-              </a:pPr>
-              <a:r>
-                <a:rPr lang="en-US" sz="2800" dirty="0"/>
-                <a:t>Random sampling causes variation in the read counts observed in different runs</a:t>
-              </a:r>
-            </a:p>
-          </p:txBody>
-        </p:sp>
+        </p:pic>
       </p:grpSp>
+      <p:sp>
+        <p:nvSpPr>
+          <p:cNvPr id="16" name="TextBox 15"/>
+          <p:cNvSpPr txBox="1"/>
+          <p:nvPr/>
+        </p:nvSpPr>
+        <p:spPr>
+          <a:xfrm>
+            <a:off x="12690305" y="21582976"/>
+            <a:ext cx="10678410" cy="3108544"/>
+          </a:xfrm>
+          <a:prstGeom prst="rect">
+            <a:avLst/>
+          </a:prstGeom>
+          <a:noFill/>
+        </p:spPr>
+        <p:txBody>
+          <a:bodyPr wrap="square" rtlCol="0">
+            <a:spAutoFit/>
+          </a:bodyPr>
+          <a:lstStyle/>
+          <a:p>
+            <a:pPr marL="314039" indent="-314039" algn="just">
+              <a:buFont typeface="Arial"/>
+              <a:buChar char="•"/>
+            </a:pPr>
+            <a:r>
+              <a:rPr lang="en-US" sz="2800" dirty="0"/>
+              <a:t>For a given read count (labeled top of histogram) the black bar represents the abundance of the count in replicate 1, the grey bars indicate the distribution of counts for the same features in replicate 2</a:t>
+            </a:r>
+          </a:p>
+          <a:p>
+            <a:pPr marL="314039" indent="-314039" algn="just">
+              <a:buFont typeface="Arial"/>
+              <a:buChar char="•"/>
+            </a:pPr>
+            <a:r>
+              <a:rPr lang="en-US" sz="2800" dirty="0"/>
+              <a:t>Replicates are aliquots of the same library run on different lanes</a:t>
+            </a:r>
+          </a:p>
+          <a:p>
+            <a:pPr marL="314039" indent="-314039" algn="just">
+              <a:buFont typeface="Arial"/>
+              <a:buChar char="•"/>
+            </a:pPr>
+            <a:r>
+              <a:rPr lang="en-US" sz="2800" dirty="0"/>
+              <a:t>These data are approximately multivariate Poisson distributed, this can be estimated in a Bayesian framework using </a:t>
+            </a:r>
+            <a:r>
+              <a:rPr lang="en-US" sz="2800" dirty="0" err="1"/>
+              <a:t>Dirichlet</a:t>
+            </a:r>
+            <a:r>
+              <a:rPr lang="en-US" sz="2800" dirty="0"/>
+              <a:t> sampling prior to </a:t>
+            </a:r>
+            <a:r>
+              <a:rPr lang="en-US" sz="2800" dirty="0" err="1"/>
+              <a:t>clr</a:t>
+            </a:r>
+            <a:r>
+              <a:rPr lang="en-US" sz="2800" dirty="0"/>
+              <a:t> transformation. (2,3)</a:t>
+            </a:r>
+          </a:p>
+        </p:txBody>
+      </p:sp>
+      <p:sp>
+        <p:nvSpPr>
+          <p:cNvPr id="9" name="Rectangle 8"/>
+          <p:cNvSpPr/>
+          <p:nvPr/>
+        </p:nvSpPr>
+        <p:spPr>
+          <a:xfrm>
+            <a:off x="13471016" y="17791591"/>
+            <a:ext cx="8948862" cy="710375"/>
+          </a:xfrm>
+          <a:prstGeom prst="rect">
+            <a:avLst/>
+          </a:prstGeom>
+        </p:spPr>
+        <p:txBody>
+          <a:bodyPr wrap="none">
+            <a:spAutoFit/>
+          </a:bodyPr>
+          <a:lstStyle/>
+          <a:p>
+            <a:pPr algn="ctr"/>
+            <a:r>
+              <a:rPr lang="en-US" sz="4000" b="1" u="sng" dirty="0"/>
+              <a:t>Better to think of probabilities not counts</a:t>
+            </a:r>
+          </a:p>
+        </p:txBody>
+      </p:sp>
+      <p:sp>
+        <p:nvSpPr>
+          <p:cNvPr id="34" name="TextBox 33"/>
+          <p:cNvSpPr txBox="1"/>
+          <p:nvPr/>
+        </p:nvSpPr>
+        <p:spPr>
+          <a:xfrm>
+            <a:off x="12690305" y="18501967"/>
+            <a:ext cx="10678410" cy="954107"/>
+          </a:xfrm>
+          <a:prstGeom prst="rect">
+            <a:avLst/>
+          </a:prstGeom>
+          <a:noFill/>
+        </p:spPr>
+        <p:txBody>
+          <a:bodyPr wrap="square" rtlCol="0">
+            <a:spAutoFit/>
+          </a:bodyPr>
+          <a:lstStyle/>
+          <a:p>
+            <a:pPr marL="314039" indent="-314039" algn="just">
+              <a:buFont typeface="Arial"/>
+              <a:buChar char="•"/>
+            </a:pPr>
+            <a:r>
+              <a:rPr lang="en-US" sz="2800" dirty="0"/>
+              <a:t>Random sampling causes variation in the read counts observed in different </a:t>
+            </a:r>
+            <a:r>
+              <a:rPr lang="en-US" sz="2800" dirty="0" smtClean="0"/>
+              <a:t>technical replicates</a:t>
+            </a:r>
+            <a:endParaRPr lang="en-US" sz="2800" dirty="0"/>
+          </a:p>
+        </p:txBody>
+      </p:sp>
       <p:sp>
         <p:nvSpPr>
           <p:cNvPr id="35" name="Rectangle 34"/>
@@ -5067,7 +5000,6 @@
               <a:rPr lang="en-US" sz="4000" b="1" u="sng" dirty="0"/>
               <a:t>Between-group differences</a:t>
             </a:r>
-            <a:endParaRPr lang="en-US" sz="4000" b="1" u="sng" dirty="0"/>
           </a:p>
         </p:txBody>
       </p:sp>
@@ -5080,7 +5012,7 @@
           <p:nvPr/>
         </p:nvPicPr>
         <p:blipFill>
-          <a:blip r:embed="rId8">
+          <a:blip r:embed="rId9">
             <a:extLst>
               <a:ext uri="{28A0092B-C50C-407E-A947-70E740481C1C}">
                 <a14:useLocalDpi xmlns:a14="http://schemas.microsoft.com/office/drawing/2010/main"/>
@@ -5110,7 +5042,7 @@
           <p:nvPr/>
         </p:nvPicPr>
         <p:blipFill>
-          <a:blip r:embed="rId9" cstate="print">
+          <a:blip r:embed="rId10" cstate="print">
             <a:extLst>
               <a:ext uri="{28A0092B-C50C-407E-A947-70E740481C1C}">
                 <a14:useLocalDpi xmlns:a14="http://schemas.microsoft.com/office/drawing/2010/main"/>
@@ -5123,8 +5055,8 @@
         </p:blipFill>
         <p:spPr>
           <a:xfrm>
-            <a:off x="974869" y="139171"/>
-            <a:ext cx="3580445" cy="3798157"/>
+            <a:off x="974869" y="139172"/>
+            <a:ext cx="3278645" cy="3478006"/>
           </a:xfrm>
           <a:prstGeom prst="rect">
             <a:avLst/>
@@ -5207,11 +5139,7 @@
             </a:r>
             <a:r>
               <a:rPr lang="en-US" sz="1500" dirty="0"/>
-              <a:t> data </a:t>
-            </a:r>
-            <a:r>
-              <a:rPr lang="en-US" sz="1500" dirty="0"/>
-              <a:t>(</a:t>
+              <a:t> data (</a:t>
             </a:r>
             <a:r>
               <a:rPr lang="en-US" sz="1500" dirty="0" err="1"/>
@@ -5219,15 +5147,7 @@
             </a:r>
             <a:r>
               <a:rPr lang="en-US" sz="1500" dirty="0"/>
-              <a:t> </a:t>
-            </a:r>
-            <a:r>
-              <a:rPr lang="en-US" sz="1500" dirty="0"/>
-              <a:t>ONE </a:t>
-            </a:r>
-            <a:r>
-              <a:rPr lang="en-US" sz="1500" dirty="0"/>
-              <a:t>)</a:t>
+              <a:t> ONE )</a:t>
             </a:r>
           </a:p>
           <a:p>
@@ -5258,15 +5178,7 @@
             </a:pPr>
             <a:r>
               <a:rPr lang="en-US" sz="1500" dirty="0"/>
-              <a:t>Gloor (2016) </a:t>
-            </a:r>
-            <a:r>
-              <a:rPr lang="en-US" sz="1500" dirty="0"/>
-              <a:t>Displaying Variation in Large Datasets: Plotting a Visual Summary of Effect Sizes  </a:t>
-            </a:r>
-            <a:r>
-              <a:rPr lang="en-US" sz="1500" dirty="0"/>
-              <a:t>(J. Comp. Graph. Statistics)</a:t>
+              <a:t>Gloor (2016) Displaying Variation in Large Datasets: Plotting a Visual Summary of Effect Sizes  (J. Comp. Graph. Statistics)</a:t>
             </a:r>
           </a:p>
           <a:p>
@@ -5276,15 +5188,7 @@
             </a:pPr>
             <a:r>
               <a:rPr lang="en-US" sz="1500" dirty="0"/>
-              <a:t>Lovell (2015) </a:t>
-            </a:r>
-            <a:r>
-              <a:rPr lang="en-US" sz="1500" dirty="0"/>
-              <a:t>Proportionality: A Valid Alternative to Correlation for Relative Data </a:t>
-            </a:r>
-            <a:r>
-              <a:rPr lang="en-US" sz="1500" dirty="0"/>
-              <a:t>(</a:t>
+              <a:t>Lovell (2015) Proportionality: A Valid Alternative to Correlation for Relative Data (</a:t>
             </a:r>
             <a:r>
               <a:rPr lang="en-US" sz="1500" dirty="0" err="1"/>
@@ -5302,15 +5206,7 @@
             </a:pPr>
             <a:r>
               <a:rPr lang="en-US" sz="1500" dirty="0"/>
-              <a:t>Fernandez (2014) </a:t>
-            </a:r>
-            <a:r>
-              <a:rPr lang="en-US" sz="1500" dirty="0"/>
-              <a:t>Bayesian-multiplicative treatment of count zeros in compositional data </a:t>
-            </a:r>
-            <a:r>
-              <a:rPr lang="en-US" sz="1500" dirty="0"/>
-              <a:t>sets (Statistical Modeling)</a:t>
+              <a:t>Fernandez (2014) Bayesian-multiplicative treatment of count zeros in compositional data sets (Statistical Modeling)</a:t>
             </a:r>
           </a:p>
           <a:p>
@@ -5328,11 +5224,7 @@
             </a:r>
             <a:r>
               <a:rPr lang="en-US" sz="1500" dirty="0"/>
-              <a:t> Comp. </a:t>
-            </a:r>
-            <a:r>
-              <a:rPr lang="en-US" sz="1500" dirty="0"/>
-              <a:t>Bio</a:t>
+              <a:t> Comp. Bio</a:t>
             </a:r>
             <a:r>
               <a:rPr lang="en-US" sz="1500" dirty="0" smtClean="0"/>
@@ -5380,7 +5272,9 @@
           <a:noFill/>
           <a:ln w="38100" cmpd="sng">
             <a:solidFill>
-              <a:srgbClr val="F79646"/>
+              <a:schemeClr val="accent6">
+                <a:lumMod val="75000"/>
+              </a:schemeClr>
             </a:solidFill>
           </a:ln>
         </p:spPr>
@@ -5434,7 +5328,6 @@
               <a:rPr lang="en-US" sz="4000" b="1" u="sng" dirty="0"/>
               <a:t>Consistent 𝜷-diversity via variance not abundance</a:t>
             </a:r>
-            <a:endParaRPr lang="en-US" sz="4000" b="1" u="sng" dirty="0"/>
           </a:p>
         </p:txBody>
       </p:sp>
@@ -5446,8 +5339,8 @@
         </p:nvSpPr>
         <p:spPr>
           <a:xfrm>
-            <a:off x="27011174" y="25573013"/>
-            <a:ext cx="5836753" cy="717026"/>
+            <a:off x="25066535" y="25573013"/>
+            <a:ext cx="9726038" cy="717026"/>
           </a:xfrm>
           <a:prstGeom prst="rect">
             <a:avLst/>
@@ -5462,7 +5355,15 @@
             <a:pPr algn="ctr"/>
             <a:r>
               <a:rPr lang="en-US" sz="4000" b="1" u="sng" dirty="0" smtClean="0"/>
-              <a:t>Compositional Association</a:t>
+              <a:t>Compositional </a:t>
+            </a:r>
+            <a:r>
+              <a:rPr lang="en-US" sz="4000" b="1" u="sng" dirty="0"/>
+              <a:t>a</a:t>
+            </a:r>
+            <a:r>
+              <a:rPr lang="en-US" sz="4000" b="1" u="sng" dirty="0" smtClean="0"/>
+              <a:t>ssociation between features</a:t>
             </a:r>
             <a:endParaRPr lang="en-US" sz="4000" b="1" u="sng" dirty="0"/>
           </a:p>
@@ -5476,8 +5377,8 @@
         </p:nvSpPr>
         <p:spPr>
           <a:xfrm>
-            <a:off x="30513250" y="4917228"/>
-            <a:ext cx="4678481" cy="9580990"/>
+            <a:off x="30513250" y="4708389"/>
+            <a:ext cx="4678481" cy="10011877"/>
           </a:xfrm>
           <a:prstGeom prst="rect">
             <a:avLst/>
@@ -5492,47 +5393,47 @@
           <a:p>
             <a:r>
               <a:rPr lang="en-US" sz="2800" dirty="0"/>
-              <a:t>Compositional </a:t>
-            </a:r>
-            <a:r>
-              <a:rPr lang="en-US" sz="2800" dirty="0"/>
-              <a:t>PCA plots showing the </a:t>
-            </a:r>
-            <a:r>
-              <a:rPr lang="en-US" sz="2800" dirty="0"/>
-              <a:t>variance structure </a:t>
-            </a:r>
-            <a:r>
-              <a:rPr lang="en-US" sz="2800" dirty="0"/>
-              <a:t>of </a:t>
+              <a:t>Compositional PCA plots showing the variance structure of </a:t>
             </a:r>
             <a:r>
               <a:rPr lang="en-US" sz="2800" dirty="0" smtClean="0"/>
               <a:t>15 </a:t>
             </a:r>
             <a:r>
-              <a:rPr lang="en-US" sz="2800" dirty="0">
+              <a:rPr lang="en-US" sz="2800" dirty="0" smtClean="0">
                 <a:solidFill>
                   <a:schemeClr val="accent2"/>
                 </a:solidFill>
               </a:rPr>
-              <a:t>AK </a:t>
-            </a:r>
-            <a:r>
-              <a:rPr lang="en-US" sz="2800" dirty="0"/>
+              <a:t>Attached Keratinized Gingiva </a:t>
+            </a:r>
+            <a:r>
+              <a:rPr lang="en-US" sz="2800" dirty="0" smtClean="0"/>
               <a:t>and </a:t>
             </a:r>
             <a:r>
-              <a:rPr lang="en-US" sz="2800" dirty="0">
+              <a:rPr lang="en-US" sz="2800" dirty="0" err="1" smtClean="0">
                 <a:solidFill>
                   <a:srgbClr val="0000FF"/>
                 </a:solidFill>
               </a:rPr>
-              <a:t>OP</a:t>
-            </a:r>
-            <a:r>
-              <a:rPr lang="en-US" sz="2800" dirty="0"/>
-              <a:t> samples of the HMP dataset</a:t>
+              <a:t>Supragingival</a:t>
+            </a:r>
+            <a:r>
+              <a:rPr lang="en-US" sz="2800" dirty="0" smtClean="0">
+                <a:solidFill>
+                  <a:srgbClr val="0000FF"/>
+                </a:solidFill>
+              </a:rPr>
+              <a:t> Plaque </a:t>
+            </a:r>
+            <a:r>
+              <a:rPr lang="en-US" sz="2800" dirty="0" smtClean="0"/>
+              <a:t>samples </a:t>
+            </a:r>
+            <a:r>
+              <a:rPr lang="en-US" sz="2800" dirty="0"/>
+              <a:t>of the HMP dataset</a:t>
             </a:r>
             <a:r>
               <a:rPr lang="en-US" sz="2800" dirty="0" smtClean="0"/>
@@ -5583,7 +5484,6 @@
               <a:rPr lang="en-US" sz="2800" dirty="0"/>
               <a:t> based on the variance in the ratios of abundance between all OTUs in the subset. </a:t>
             </a:r>
-            <a:endParaRPr lang="en-US" sz="2800" dirty="0"/>
           </a:p>
         </p:txBody>
       </p:sp>
@@ -5611,11 +5511,7 @@
           <a:p>
             <a:r>
               <a:rPr lang="en-US" sz="2800" dirty="0"/>
-              <a:t>The left panel shows an effect size plot (4) and the right panel shows a plot of the OTUs grouped by genus with the effect size on the x axis. The red points show OTUs with an expected FDR &lt; 0.05, otherwise OTUs are colored in grey. </a:t>
-            </a:r>
-            <a:r>
-              <a:rPr lang="en-US" sz="2800" dirty="0"/>
-              <a:t>The vast majority of effect sizes are very </a:t>
+              <a:t>The left panel shows an effect size plot (4) and the right panel shows a plot of the OTUs grouped by genus with the effect size on the x axis. The red points show OTUs with an expected FDR &lt; 0.05, otherwise OTUs are colored in grey. The vast majority of effect sizes are very </a:t>
             </a:r>
             <a:r>
               <a:rPr lang="en-US" sz="2800" dirty="0" smtClean="0"/>
@@ -5639,19 +5535,11 @@
             </a:r>
             <a:r>
               <a:rPr lang="en-US" sz="2800" dirty="0"/>
-              <a:t>Note how most OTUs in a genus tend to change in the same direction. Positive values indicate OTUs that are relatively more abundant in AK than in OP.  </a:t>
-            </a:r>
-            <a:r>
-              <a:rPr lang="en-US" sz="2800" dirty="0"/>
-              <a:t>Values were calculated using the ALDEx2 </a:t>
+              <a:t>Note how most OTUs in a genus tend to change in the same direction. Positive values indicate OTUs that are relatively more abundant in AK than in OP.  Values were calculated using the ALDEx2 </a:t>
             </a:r>
             <a:r>
               <a:rPr lang="en-US" sz="2800" dirty="0" err="1"/>
-              <a:t>B</a:t>
-            </a:r>
-            <a:r>
-              <a:rPr lang="en-US" sz="2800" dirty="0" err="1"/>
-              <a:t>ioconductor</a:t>
+              <a:t>Bioconductor</a:t>
             </a:r>
             <a:r>
               <a:rPr lang="en-US" sz="2800" dirty="0"/>
@@ -5665,7 +5553,6 @@
               <a:rPr lang="en-US" sz="2800" dirty="0"/>
               <a:t>OTUs were filtered to include only those with a frequency &gt;0.001 in any sample. </a:t>
             </a:r>
-            <a:endParaRPr lang="en-US" sz="2800" dirty="0"/>
           </a:p>
         </p:txBody>
       </p:sp>
@@ -5713,19 +5600,11 @@
             </a:r>
             <a:r>
               <a:rPr lang="en-US" sz="2800" dirty="0"/>
-              <a:t>-</a:t>
-            </a:r>
-            <a:r>
-              <a:rPr lang="en-US" sz="2800"/>
-              <a:t>statistic </a:t>
-            </a:r>
-            <a:r>
-              <a:rPr lang="en-US" sz="2800" smtClean="0"/>
-              <a:t>less </a:t>
+              <a:t>-statistic </a:t>
             </a:r>
             <a:r>
               <a:rPr lang="en-US" sz="2800" dirty="0" smtClean="0"/>
-              <a:t>than 0.3. </a:t>
+              <a:t>less than 0.3. </a:t>
             </a:r>
             <a:endParaRPr lang="en-US" sz="2800" dirty="0"/>
           </a:p>
@@ -5893,12 +5772,20 @@
                 <a:t>Compositional </a:t>
               </a:r>
               <a:r>
-                <a:rPr lang="en-US" sz="3000" dirty="0" err="1"/>
+                <a:rPr lang="en-US" sz="3000" dirty="0" smtClean="0"/>
+                <a:t>PCA plots (or </a:t>
+              </a:r>
+              <a:r>
+                <a:rPr lang="en-US" sz="3000" dirty="0" err="1" smtClean="0"/>
                 <a:t>biplots</a:t>
               </a:r>
               <a:r>
+                <a:rPr lang="en-US" sz="3000" dirty="0" smtClean="0"/>
+                <a:t>) can </a:t>
+              </a:r>
+              <a:r>
                 <a:rPr lang="en-US" sz="3000" dirty="0"/>
-                <a:t> can be generated using point-estimates where the count zero multiplicative correction (6) or a </a:t>
+                <a:t>be generated using point-estimates where the count zero multiplicative correction (6) or a </a:t>
               </a:r>
               <a:r>
                 <a:rPr lang="en-US" sz="3000" dirty="0" err="1"/>
@@ -5908,7 +5795,6 @@
                 <a:rPr lang="en-US" sz="3000" dirty="0"/>
                 <a:t> is applied to 0 values.</a:t>
               </a:r>
-              <a:endParaRPr lang="en-US" sz="3000" dirty="0"/>
             </a:p>
             <a:p>
               <a:pPr marL="628079" indent="-628079" algn="just">
@@ -5943,7 +5829,6 @@
                 <a:rPr lang="en-US" sz="3000" dirty="0"/>
                 <a:t> distribution.</a:t>
               </a:r>
-              <a:endParaRPr lang="en-US" sz="3000" dirty="0"/>
             </a:p>
           </p:txBody>
         </p:sp>
@@ -5957,7 +5842,7 @@
           <p:nvPr/>
         </p:nvPicPr>
         <p:blipFill>
-          <a:blip r:embed="rId10">
+          <a:blip r:embed="rId11">
             <a:extLst>
               <a:ext uri="{28A0092B-C50C-407E-A947-70E740481C1C}">
                 <a14:useLocalDpi xmlns:a14="http://schemas.microsoft.com/office/drawing/2010/main"/>
@@ -5987,7 +5872,7 @@
           <p:nvPr/>
         </p:nvPicPr>
         <p:blipFill>
-          <a:blip r:embed="rId11">
+          <a:blip r:embed="rId12">
             <a:extLst>
               <a:ext uri="{28A0092B-C50C-407E-A947-70E740481C1C}">
                 <a14:useLocalDpi xmlns:a14="http://schemas.microsoft.com/office/drawing/2010/main"/>
@@ -6002,36 +5887,6 @@
           <a:xfrm>
             <a:off x="24615042" y="14695179"/>
             <a:ext cx="10869774" cy="6521865"/>
-          </a:xfrm>
-          <a:prstGeom prst="rect">
-            <a:avLst/>
-          </a:prstGeom>
-        </p:spPr>
-      </p:pic>
-      <p:pic>
-        <p:nvPicPr>
-          <p:cNvPr id="21" name="Picture 20" descr="phi_graph.pdf"/>
-          <p:cNvPicPr>
-            <a:picLocks noChangeAspect="1"/>
-          </p:cNvPicPr>
-          <p:nvPr/>
-        </p:nvPicPr>
-        <p:blipFill>
-          <a:blip r:embed="rId12">
-            <a:extLst>
-              <a:ext uri="{28A0092B-C50C-407E-A947-70E740481C1C}">
-                <a14:useLocalDpi xmlns:a14="http://schemas.microsoft.com/office/drawing/2010/main" val="0"/>
-              </a:ext>
-            </a:extLst>
-          </a:blip>
-          <a:stretch>
-            <a:fillRect/>
-          </a:stretch>
-        </p:blipFill>
-        <p:spPr>
-          <a:xfrm>
-            <a:off x="25418711" y="25744022"/>
-            <a:ext cx="8973380" cy="7268586"/>
           </a:xfrm>
           <a:prstGeom prst="rect">
             <a:avLst/>
